--- a/settings/thumbnail_template.pptx
+++ b/settings/thumbnail_template.pptx
@@ -6,6 +6,7 @@
   </p:sldMasterIdLst>
   <p:sldIdLst>
     <p:sldId id="256" r:id="rId2"/>
+    <p:sldId id="257" r:id="rId3"/>
   </p:sldIdLst>
   <p:sldSz cx="12192000" cy="6858000"/>
   <p:notesSz cx="6858000" cy="9144000"/>
@@ -270,7 +271,7 @@
           <a:p>
             <a:fld id="{545B435B-0517-4A62-AE29-E71636ACE21E}" type="datetimeFigureOut">
               <a:rPr lang="ko-KR" altLang="en-US" smtClean="0"/>
-              <a:t>2022-07-17</a:t>
+              <a:t>2022-07-23</a:t>
             </a:fld>
             <a:endParaRPr lang="ko-KR" altLang="en-US"/>
           </a:p>
@@ -468,7 +469,7 @@
           <a:p>
             <a:fld id="{545B435B-0517-4A62-AE29-E71636ACE21E}" type="datetimeFigureOut">
               <a:rPr lang="ko-KR" altLang="en-US" smtClean="0"/>
-              <a:t>2022-07-17</a:t>
+              <a:t>2022-07-23</a:t>
             </a:fld>
             <a:endParaRPr lang="ko-KR" altLang="en-US"/>
           </a:p>
@@ -676,7 +677,7 @@
           <a:p>
             <a:fld id="{545B435B-0517-4A62-AE29-E71636ACE21E}" type="datetimeFigureOut">
               <a:rPr lang="ko-KR" altLang="en-US" smtClean="0"/>
-              <a:t>2022-07-17</a:t>
+              <a:t>2022-07-23</a:t>
             </a:fld>
             <a:endParaRPr lang="ko-KR" altLang="en-US"/>
           </a:p>
@@ -874,7 +875,7 @@
           <a:p>
             <a:fld id="{545B435B-0517-4A62-AE29-E71636ACE21E}" type="datetimeFigureOut">
               <a:rPr lang="ko-KR" altLang="en-US" smtClean="0"/>
-              <a:t>2022-07-17</a:t>
+              <a:t>2022-07-23</a:t>
             </a:fld>
             <a:endParaRPr lang="ko-KR" altLang="en-US"/>
           </a:p>
@@ -1149,7 +1150,7 @@
           <a:p>
             <a:fld id="{545B435B-0517-4A62-AE29-E71636ACE21E}" type="datetimeFigureOut">
               <a:rPr lang="ko-KR" altLang="en-US" smtClean="0"/>
-              <a:t>2022-07-17</a:t>
+              <a:t>2022-07-23</a:t>
             </a:fld>
             <a:endParaRPr lang="ko-KR" altLang="en-US"/>
           </a:p>
@@ -1414,7 +1415,7 @@
           <a:p>
             <a:fld id="{545B435B-0517-4A62-AE29-E71636ACE21E}" type="datetimeFigureOut">
               <a:rPr lang="ko-KR" altLang="en-US" smtClean="0"/>
-              <a:t>2022-07-17</a:t>
+              <a:t>2022-07-23</a:t>
             </a:fld>
             <a:endParaRPr lang="ko-KR" altLang="en-US"/>
           </a:p>
@@ -1826,7 +1827,7 @@
           <a:p>
             <a:fld id="{545B435B-0517-4A62-AE29-E71636ACE21E}" type="datetimeFigureOut">
               <a:rPr lang="ko-KR" altLang="en-US" smtClean="0"/>
-              <a:t>2022-07-17</a:t>
+              <a:t>2022-07-23</a:t>
             </a:fld>
             <a:endParaRPr lang="ko-KR" altLang="en-US"/>
           </a:p>
@@ -1967,7 +1968,7 @@
           <a:p>
             <a:fld id="{545B435B-0517-4A62-AE29-E71636ACE21E}" type="datetimeFigureOut">
               <a:rPr lang="ko-KR" altLang="en-US" smtClean="0"/>
-              <a:t>2022-07-17</a:t>
+              <a:t>2022-07-23</a:t>
             </a:fld>
             <a:endParaRPr lang="ko-KR" altLang="en-US"/>
           </a:p>
@@ -2080,7 +2081,7 @@
           <a:p>
             <a:fld id="{545B435B-0517-4A62-AE29-E71636ACE21E}" type="datetimeFigureOut">
               <a:rPr lang="ko-KR" altLang="en-US" smtClean="0"/>
-              <a:t>2022-07-17</a:t>
+              <a:t>2022-07-23</a:t>
             </a:fld>
             <a:endParaRPr lang="ko-KR" altLang="en-US"/>
           </a:p>
@@ -2391,7 +2392,7 @@
           <a:p>
             <a:fld id="{545B435B-0517-4A62-AE29-E71636ACE21E}" type="datetimeFigureOut">
               <a:rPr lang="ko-KR" altLang="en-US" smtClean="0"/>
-              <a:t>2022-07-17</a:t>
+              <a:t>2022-07-23</a:t>
             </a:fld>
             <a:endParaRPr lang="ko-KR" altLang="en-US"/>
           </a:p>
@@ -2679,7 +2680,7 @@
           <a:p>
             <a:fld id="{545B435B-0517-4A62-AE29-E71636ACE21E}" type="datetimeFigureOut">
               <a:rPr lang="ko-KR" altLang="en-US" smtClean="0"/>
-              <a:t>2022-07-17</a:t>
+              <a:t>2022-07-23</a:t>
             </a:fld>
             <a:endParaRPr lang="ko-KR" altLang="en-US"/>
           </a:p>
@@ -2920,7 +2921,7 @@
           <a:p>
             <a:fld id="{545B435B-0517-4A62-AE29-E71636ACE21E}" type="datetimeFigureOut">
               <a:rPr lang="ko-KR" altLang="en-US" smtClean="0"/>
-              <a:t>2022-07-17</a:t>
+              <a:t>2022-07-23</a:t>
             </a:fld>
             <a:endParaRPr lang="ko-KR" altLang="en-US"/>
           </a:p>
@@ -3590,6 +3591,288 @@
 </p:sld>
 </file>
 
+<file path=ppt/slides/slide2.xml><?xml version="1.0" encoding="utf-8"?>
+<p:sld xmlns:a="http://schemas.openxmlformats.org/drawingml/2006/main" xmlns:r="http://schemas.openxmlformats.org/officeDocument/2006/relationships" xmlns:p="http://schemas.openxmlformats.org/presentationml/2006/main">
+  <p:cSld>
+    <p:spTree>
+      <p:nvGrpSpPr>
+        <p:cNvPr id="1" name=""/>
+        <p:cNvGrpSpPr/>
+        <p:nvPr/>
+      </p:nvGrpSpPr>
+      <p:grpSpPr>
+        <a:xfrm>
+          <a:off x="0" y="0"/>
+          <a:ext cx="0" cy="0"/>
+          <a:chOff x="0" y="0"/>
+          <a:chExt cx="0" cy="0"/>
+        </a:xfrm>
+      </p:grpSpPr>
+      <p:pic>
+        <p:nvPicPr>
+          <p:cNvPr id="2" name="Picture 2" descr="AtCoder">
+            <a:extLst>
+              <a:ext uri="{FF2B5EF4-FFF2-40B4-BE49-F238E27FC236}">
+                <a16:creationId xmlns:a16="http://schemas.microsoft.com/office/drawing/2014/main" id="{D09E6B36-CB86-24B3-081F-D4DE0FD19FAD}"/>
+              </a:ext>
+            </a:extLst>
+          </p:cNvPr>
+          <p:cNvPicPr>
+            <a:picLocks noChangeAspect="1" noChangeArrowheads="1"/>
+          </p:cNvPicPr>
+          <p:nvPr/>
+        </p:nvPicPr>
+        <p:blipFill>
+          <a:blip r:embed="rId2">
+            <a:extLst>
+              <a:ext uri="{28A0092B-C50C-407E-A947-70E740481C1C}">
+                <a14:useLocalDpi xmlns:a14="http://schemas.microsoft.com/office/drawing/2010/main" val="0"/>
+              </a:ext>
+            </a:extLst>
+          </a:blip>
+          <a:srcRect/>
+          <a:stretch>
+            <a:fillRect/>
+          </a:stretch>
+        </p:blipFill>
+        <p:spPr bwMode="auto">
+          <a:xfrm>
+            <a:off x="4762497" y="834938"/>
+            <a:ext cx="2667000" cy="2667000"/>
+          </a:xfrm>
+          <a:prstGeom prst="rect">
+            <a:avLst/>
+          </a:prstGeom>
+          <a:noFill/>
+          <a:extLst>
+            <a:ext uri="{909E8E84-426E-40DD-AFC4-6F175D3DCCD1}">
+              <a14:hiddenFill xmlns:a14="http://schemas.microsoft.com/office/drawing/2010/main">
+                <a:solidFill>
+                  <a:srgbClr val="FFFFFF"/>
+                </a:solidFill>
+              </a14:hiddenFill>
+            </a:ext>
+          </a:extLst>
+        </p:spPr>
+      </p:pic>
+      <p:sp>
+        <p:nvSpPr>
+          <p:cNvPr id="4" name="TextBox 3">
+            <a:extLst>
+              <a:ext uri="{FF2B5EF4-FFF2-40B4-BE49-F238E27FC236}">
+                <a16:creationId xmlns:a16="http://schemas.microsoft.com/office/drawing/2014/main" id="{A803538B-1FB9-521B-5919-89A49B179058}"/>
+              </a:ext>
+            </a:extLst>
+          </p:cNvPr>
+          <p:cNvSpPr txBox="1"/>
+          <p:nvPr/>
+        </p:nvSpPr>
+        <p:spPr>
+          <a:xfrm>
+            <a:off x="3801140" y="3503653"/>
+            <a:ext cx="4589718" cy="769441"/>
+          </a:xfrm>
+          <a:prstGeom prst="rect">
+            <a:avLst/>
+          </a:prstGeom>
+          <a:noFill/>
+        </p:spPr>
+        <p:txBody>
+          <a:bodyPr wrap="none" rtlCol="0">
+            <a:spAutoFit/>
+          </a:bodyPr>
+          <a:lstStyle/>
+          <a:p>
+            <a:pPr algn="ctr"/>
+            <a:r>
+              <a:rPr lang="en-US" altLang="ko-KR" sz="4400" dirty="0">
+                <a:solidFill>
+                  <a:schemeClr val="bg2">
+                    <a:lumMod val="75000"/>
+                  </a:schemeClr>
+                </a:solidFill>
+                <a:latin typeface="나눔고딕 ExtraBold" panose="020D0904000000000000" pitchFamily="50" charset="-127"/>
+                <a:ea typeface="나눔고딕 ExtraBold" panose="020D0904000000000000" pitchFamily="50" charset="-127"/>
+              </a:rPr>
+              <a:t>seonghwan7694</a:t>
+            </a:r>
+            <a:endParaRPr lang="ko-KR" altLang="en-US" sz="4400" dirty="0">
+              <a:solidFill>
+                <a:schemeClr val="bg2">
+                  <a:lumMod val="75000"/>
+                </a:schemeClr>
+              </a:solidFill>
+              <a:latin typeface="나눔고딕 ExtraBold" panose="020D0904000000000000" pitchFamily="50" charset="-127"/>
+              <a:ea typeface="나눔고딕 ExtraBold" panose="020D0904000000000000" pitchFamily="50" charset="-127"/>
+            </a:endParaRPr>
+          </a:p>
+        </p:txBody>
+      </p:sp>
+      <p:sp>
+        <p:nvSpPr>
+          <p:cNvPr id="13" name="TextBox 12">
+            <a:extLst>
+              <a:ext uri="{FF2B5EF4-FFF2-40B4-BE49-F238E27FC236}">
+                <a16:creationId xmlns:a16="http://schemas.microsoft.com/office/drawing/2014/main" id="{B5886C92-B77B-ECA5-7A04-32ED9D3732F6}"/>
+              </a:ext>
+            </a:extLst>
+          </p:cNvPr>
+          <p:cNvSpPr txBox="1"/>
+          <p:nvPr/>
+        </p:nvSpPr>
+        <p:spPr>
+          <a:xfrm>
+            <a:off x="4139073" y="6212133"/>
+            <a:ext cx="3913851" cy="246221"/>
+          </a:xfrm>
+          <a:prstGeom prst="rect">
+            <a:avLst/>
+          </a:prstGeom>
+          <a:noFill/>
+        </p:spPr>
+        <p:txBody>
+          <a:bodyPr wrap="square" rtlCol="0">
+            <a:spAutoFit/>
+          </a:bodyPr>
+          <a:lstStyle/>
+          <a:p>
+            <a:pPr algn="ctr"/>
+            <a:r>
+              <a:rPr lang="en-US" altLang="ko-KR" sz="1000" b="1" i="0" dirty="0" err="1">
+                <a:solidFill>
+                  <a:srgbClr val="333333"/>
+                </a:solidFill>
+                <a:effectLst/>
+                <a:latin typeface="Lato" panose="020F0502020204030203" pitchFamily="34" charset="0"/>
+              </a:rPr>
+              <a:t>AtCoder</a:t>
+            </a:r>
+            <a:r>
+              <a:rPr lang="en-US" altLang="ko-KR" sz="1000" b="1" i="0" dirty="0">
+                <a:solidFill>
+                  <a:srgbClr val="333333"/>
+                </a:solidFill>
+                <a:effectLst/>
+                <a:latin typeface="Lato" panose="020F0502020204030203" pitchFamily="34" charset="0"/>
+              </a:rPr>
+              <a:t> Beginner Contest 261</a:t>
+            </a:r>
+          </a:p>
+        </p:txBody>
+      </p:sp>
+      <p:sp>
+        <p:nvSpPr>
+          <p:cNvPr id="14" name="TextBox 13">
+            <a:extLst>
+              <a:ext uri="{FF2B5EF4-FFF2-40B4-BE49-F238E27FC236}">
+                <a16:creationId xmlns:a16="http://schemas.microsoft.com/office/drawing/2014/main" id="{FA2E5DFE-16F0-2A6E-1FF9-3B27FA9F736B}"/>
+              </a:ext>
+            </a:extLst>
+          </p:cNvPr>
+          <p:cNvSpPr txBox="1"/>
+          <p:nvPr/>
+        </p:nvSpPr>
+        <p:spPr>
+          <a:xfrm>
+            <a:off x="4830769" y="6405767"/>
+            <a:ext cx="2530457" cy="246221"/>
+          </a:xfrm>
+          <a:prstGeom prst="rect">
+            <a:avLst/>
+          </a:prstGeom>
+          <a:noFill/>
+        </p:spPr>
+        <p:txBody>
+          <a:bodyPr wrap="square" rtlCol="0">
+            <a:spAutoFit/>
+          </a:bodyPr>
+          <a:lstStyle/>
+          <a:p>
+            <a:pPr algn="ctr"/>
+            <a:r>
+              <a:rPr lang="en-US" altLang="ko-KR" sz="1000" dirty="0">
+                <a:latin typeface="나눔고딕 ExtraBold" panose="020D0904000000000000" pitchFamily="50" charset="-127"/>
+                <a:ea typeface="나눔고딕 ExtraBold" panose="020D0904000000000000" pitchFamily="50" charset="-127"/>
+              </a:rPr>
+              <a:t> 2022-07-23</a:t>
+            </a:r>
+            <a:r>
+              <a:rPr lang="en-US" altLang="ko-KR" sz="1000">
+                <a:latin typeface="나눔고딕 ExtraBold" panose="020D0904000000000000" pitchFamily="50" charset="-127"/>
+                <a:ea typeface="나눔고딕 ExtraBold" panose="020D0904000000000000" pitchFamily="50" charset="-127"/>
+              </a:rPr>
+              <a:t>(SAT) </a:t>
+            </a:r>
+            <a:r>
+              <a:rPr lang="en-US" altLang="ko-KR" sz="1000" dirty="0">
+                <a:latin typeface="나눔고딕 ExtraBold" panose="020D0904000000000000" pitchFamily="50" charset="-127"/>
+                <a:ea typeface="나눔고딕 ExtraBold" panose="020D0904000000000000" pitchFamily="50" charset="-127"/>
+              </a:rPr>
+              <a:t>21:00</a:t>
+            </a:r>
+            <a:endParaRPr lang="ko-KR" altLang="en-US" sz="1000" dirty="0">
+              <a:latin typeface="나눔고딕 ExtraBold" panose="020D0904000000000000" pitchFamily="50" charset="-127"/>
+              <a:ea typeface="나눔고딕 ExtraBold" panose="020D0904000000000000" pitchFamily="50" charset="-127"/>
+            </a:endParaRPr>
+          </a:p>
+        </p:txBody>
+      </p:sp>
+      <p:sp>
+        <p:nvSpPr>
+          <p:cNvPr id="15" name="TextBox 14">
+            <a:extLst>
+              <a:ext uri="{FF2B5EF4-FFF2-40B4-BE49-F238E27FC236}">
+                <a16:creationId xmlns:a16="http://schemas.microsoft.com/office/drawing/2014/main" id="{CFF8F96D-14B7-98DE-155C-5B347CCBC064}"/>
+              </a:ext>
+            </a:extLst>
+          </p:cNvPr>
+          <p:cNvSpPr txBox="1"/>
+          <p:nvPr/>
+        </p:nvSpPr>
+        <p:spPr>
+          <a:xfrm>
+            <a:off x="5279913" y="4466728"/>
+            <a:ext cx="1632178" cy="707886"/>
+          </a:xfrm>
+          <a:prstGeom prst="rect">
+            <a:avLst/>
+          </a:prstGeom>
+          <a:noFill/>
+        </p:spPr>
+        <p:txBody>
+          <a:bodyPr wrap="none" rtlCol="0">
+            <a:spAutoFit/>
+          </a:bodyPr>
+          <a:lstStyle/>
+          <a:p>
+            <a:pPr algn="ctr"/>
+            <a:r>
+              <a:rPr lang="ko-KR" altLang="en-US" sz="4000">
+                <a:latin typeface="나눔고딕 ExtraBold" panose="020D0904000000000000" pitchFamily="50" charset="-127"/>
+                <a:ea typeface="나눔고딕 ExtraBold" panose="020D0904000000000000" pitchFamily="50" charset="-127"/>
+              </a:rPr>
+              <a:t>풀어요</a:t>
+            </a:r>
+            <a:endParaRPr lang="ko-KR" altLang="en-US" sz="4000" dirty="0">
+              <a:latin typeface="나눔고딕 ExtraBold" panose="020D0904000000000000" pitchFamily="50" charset="-127"/>
+              <a:ea typeface="나눔고딕 ExtraBold" panose="020D0904000000000000" pitchFamily="50" charset="-127"/>
+            </a:endParaRPr>
+          </a:p>
+        </p:txBody>
+      </p:sp>
+    </p:spTree>
+    <p:extLst>
+      <p:ext uri="{BB962C8B-B14F-4D97-AF65-F5344CB8AC3E}">
+        <p14:creationId xmlns:p14="http://schemas.microsoft.com/office/powerpoint/2010/main" val="3456754242"/>
+      </p:ext>
+    </p:extLst>
+  </p:cSld>
+  <p:clrMapOvr>
+    <a:masterClrMapping/>
+  </p:clrMapOvr>
+</p:sld>
+</file>
+
 <file path=ppt/theme/theme1.xml><?xml version="1.0" encoding="utf-8"?>
 <a:theme xmlns:a="http://schemas.openxmlformats.org/drawingml/2006/main" name="Office 테마">
   <a:themeElements>
